--- a/Plan for experiment.pptx
+++ b/Plan for experiment.pptx
@@ -117,6 +117,58 @@
     </p:ext>
   </p:extLst>
 </p:presentation>
+</file>
+
+<file path=ppt/revisionInfo.xml><?xml version="1.0" encoding="utf-8"?>
+<p1510:revInfo xmlns:a="http://schemas.openxmlformats.org/drawingml/2006/main" xmlns:r="http://schemas.openxmlformats.org/officeDocument/2006/relationships" xmlns:p1510="http://schemas.microsoft.com/office/powerpoint/2015/10/main">
+  <p1510:revLst>
+    <p1510:client id="{6FA191EE-B89B-4569-94F4-4F3A52EF56F3}" v="1" dt="2021-10-02T17:59:23.701"/>
+  </p1510:revLst>
+</p1510:revInfo>
+</file>
+
+<file path=ppt/changesInfos/changesInfo1.xml><?xml version="1.0" encoding="utf-8"?>
+<pc:chgInfo xmlns:a="http://schemas.openxmlformats.org/drawingml/2006/main" xmlns:r="http://schemas.openxmlformats.org/officeDocument/2006/relationships" xmlns:ac="http://schemas.microsoft.com/office/drawing/2013/main/command" xmlns:pc="http://schemas.microsoft.com/office/powerpoint/2013/main/command">
+  <pc:docChgLst>
+    <pc:chgData name="이승유" userId="0d74a26e-f7c6-4b3e-820d-f68a8268e5d0" providerId="ADAL" clId="{6FA191EE-B89B-4569-94F4-4F3A52EF56F3}"/>
+    <pc:docChg chg="modSld">
+      <pc:chgData name="이승유" userId="0d74a26e-f7c6-4b3e-820d-f68a8268e5d0" providerId="ADAL" clId="{6FA191EE-B89B-4569-94F4-4F3A52EF56F3}" dt="2021-10-02T17:59:23.700" v="1"/>
+      <pc:docMkLst>
+        <pc:docMk/>
+      </pc:docMkLst>
+      <pc:sldChg chg="modSp">
+        <pc:chgData name="이승유" userId="0d74a26e-f7c6-4b3e-820d-f68a8268e5d0" providerId="ADAL" clId="{6FA191EE-B89B-4569-94F4-4F3A52EF56F3}" dt="2021-10-02T17:59:23.700" v="1"/>
+        <pc:sldMkLst>
+          <pc:docMk/>
+          <pc:sldMk cId="2767622992" sldId="262"/>
+        </pc:sldMkLst>
+        <pc:graphicFrameChg chg="mod">
+          <ac:chgData name="이승유" userId="0d74a26e-f7c6-4b3e-820d-f68a8268e5d0" providerId="ADAL" clId="{6FA191EE-B89B-4569-94F4-4F3A52EF56F3}" dt="2021-10-02T17:59:23.700" v="1"/>
+          <ac:graphicFrameMkLst>
+            <pc:docMk/>
+            <pc:sldMk cId="2767622992" sldId="262"/>
+            <ac:graphicFrameMk id="8" creationId="{CEED4E67-B1E5-4BAC-95F3-80A57B95125C}"/>
+          </ac:graphicFrameMkLst>
+        </pc:graphicFrameChg>
+      </pc:sldChg>
+      <pc:sldChg chg="modSp mod">
+        <pc:chgData name="이승유" userId="0d74a26e-f7c6-4b3e-820d-f68a8268e5d0" providerId="ADAL" clId="{6FA191EE-B89B-4569-94F4-4F3A52EF56F3}" dt="2021-10-02T17:51:32.874" v="0" actId="15"/>
+        <pc:sldMkLst>
+          <pc:docMk/>
+          <pc:sldMk cId="2050430940" sldId="263"/>
+        </pc:sldMkLst>
+        <pc:spChg chg="mod">
+          <ac:chgData name="이승유" userId="0d74a26e-f7c6-4b3e-820d-f68a8268e5d0" providerId="ADAL" clId="{6FA191EE-B89B-4569-94F4-4F3A52EF56F3}" dt="2021-10-02T17:51:32.874" v="0" actId="15"/>
+          <ac:spMkLst>
+            <pc:docMk/>
+            <pc:sldMk cId="2050430940" sldId="263"/>
+            <ac:spMk id="3" creationId="{07D91219-8AD6-4098-A5EB-45F81FA556A3}"/>
+          </ac:spMkLst>
+        </pc:spChg>
+      </pc:sldChg>
+    </pc:docChg>
+  </pc:docChgLst>
+</pc:chgInfo>
 </file>
 
 <file path=ppt/diagrams/colors1.xml><?xml version="1.0" encoding="utf-8"?>
@@ -1676,7 +1728,7 @@
       <dgm:spPr/>
     </dgm:pt>
     <dgm:pt modelId="{BF5FE31F-35DF-4452-A660-9AF97717D7E4}" type="pres">
-      <dgm:prSet presAssocID="{CBFA3176-B86E-428F-B354-ADCD978436C9}" presName="parentTextArrow" presStyleLbl="node1" presStyleIdx="5" presStyleCnt="6" custLinFactNeighborX="2853" custLinFactNeighborY="-265"/>
+      <dgm:prSet presAssocID="{CBFA3176-B86E-428F-B354-ADCD978436C9}" presName="parentTextArrow" presStyleLbl="node1" presStyleIdx="5" presStyleCnt="6" custLinFactNeighborX="-390" custLinFactNeighborY="918"/>
       <dgm:spPr/>
     </dgm:pt>
   </dgm:ptLst>
@@ -2801,7 +2853,7 @@
       </dsp:nvSpPr>
       <dsp:spPr>
         <a:xfrm rot="10800000">
-          <a:off x="0" y="1"/>
+          <a:off x="0" y="8965"/>
           <a:ext cx="6899692" cy="757729"/>
         </a:xfrm>
         <a:prstGeom prst="upArrowCallout">
@@ -2881,7 +2933,7 @@
         </a:p>
       </dsp:txBody>
       <dsp:txXfrm rot="10800000">
-        <a:off x="0" y="1"/>
+        <a:off x="0" y="8965"/>
         <a:ext cx="6899692" cy="492350"/>
       </dsp:txXfrm>
     </dsp:sp>
@@ -4423,7 +4475,7 @@
           <a:p>
             <a:fld id="{60754DCC-BDC9-4415-8C74-BEF8C7A080EE}" type="datetimeFigureOut">
               <a:rPr lang="ko-KR" altLang="en-US" smtClean="0"/>
-              <a:t>2021-09-29</a:t>
+              <a:t>2021-10-03</a:t>
             </a:fld>
             <a:endParaRPr lang="ko-KR" altLang="en-US"/>
           </a:p>
@@ -4621,7 +4673,7 @@
           <a:p>
             <a:fld id="{60754DCC-BDC9-4415-8C74-BEF8C7A080EE}" type="datetimeFigureOut">
               <a:rPr lang="ko-KR" altLang="en-US" smtClean="0"/>
-              <a:t>2021-09-29</a:t>
+              <a:t>2021-10-03</a:t>
             </a:fld>
             <a:endParaRPr lang="ko-KR" altLang="en-US"/>
           </a:p>
@@ -4829,7 +4881,7 @@
           <a:p>
             <a:fld id="{60754DCC-BDC9-4415-8C74-BEF8C7A080EE}" type="datetimeFigureOut">
               <a:rPr lang="ko-KR" altLang="en-US" smtClean="0"/>
-              <a:t>2021-09-29</a:t>
+              <a:t>2021-10-03</a:t>
             </a:fld>
             <a:endParaRPr lang="ko-KR" altLang="en-US"/>
           </a:p>
@@ -5027,7 +5079,7 @@
           <a:p>
             <a:fld id="{60754DCC-BDC9-4415-8C74-BEF8C7A080EE}" type="datetimeFigureOut">
               <a:rPr lang="ko-KR" altLang="en-US" smtClean="0"/>
-              <a:t>2021-09-29</a:t>
+              <a:t>2021-10-03</a:t>
             </a:fld>
             <a:endParaRPr lang="ko-KR" altLang="en-US"/>
           </a:p>
@@ -5302,7 +5354,7 @@
           <a:p>
             <a:fld id="{60754DCC-BDC9-4415-8C74-BEF8C7A080EE}" type="datetimeFigureOut">
               <a:rPr lang="ko-KR" altLang="en-US" smtClean="0"/>
-              <a:t>2021-09-29</a:t>
+              <a:t>2021-10-03</a:t>
             </a:fld>
             <a:endParaRPr lang="ko-KR" altLang="en-US"/>
           </a:p>
@@ -5567,7 +5619,7 @@
           <a:p>
             <a:fld id="{60754DCC-BDC9-4415-8C74-BEF8C7A080EE}" type="datetimeFigureOut">
               <a:rPr lang="ko-KR" altLang="en-US" smtClean="0"/>
-              <a:t>2021-09-29</a:t>
+              <a:t>2021-10-03</a:t>
             </a:fld>
             <a:endParaRPr lang="ko-KR" altLang="en-US"/>
           </a:p>
@@ -5979,7 +6031,7 @@
           <a:p>
             <a:fld id="{60754DCC-BDC9-4415-8C74-BEF8C7A080EE}" type="datetimeFigureOut">
               <a:rPr lang="ko-KR" altLang="en-US" smtClean="0"/>
-              <a:t>2021-09-29</a:t>
+              <a:t>2021-10-03</a:t>
             </a:fld>
             <a:endParaRPr lang="ko-KR" altLang="en-US"/>
           </a:p>
@@ -6120,7 +6172,7 @@
           <a:p>
             <a:fld id="{60754DCC-BDC9-4415-8C74-BEF8C7A080EE}" type="datetimeFigureOut">
               <a:rPr lang="ko-KR" altLang="en-US" smtClean="0"/>
-              <a:t>2021-09-29</a:t>
+              <a:t>2021-10-03</a:t>
             </a:fld>
             <a:endParaRPr lang="ko-KR" altLang="en-US"/>
           </a:p>
@@ -6233,7 +6285,7 @@
           <a:p>
             <a:fld id="{60754DCC-BDC9-4415-8C74-BEF8C7A080EE}" type="datetimeFigureOut">
               <a:rPr lang="ko-KR" altLang="en-US" smtClean="0"/>
-              <a:t>2021-09-29</a:t>
+              <a:t>2021-10-03</a:t>
             </a:fld>
             <a:endParaRPr lang="ko-KR" altLang="en-US"/>
           </a:p>
@@ -6544,7 +6596,7 @@
           <a:p>
             <a:fld id="{60754DCC-BDC9-4415-8C74-BEF8C7A080EE}" type="datetimeFigureOut">
               <a:rPr lang="ko-KR" altLang="en-US" smtClean="0"/>
-              <a:t>2021-09-29</a:t>
+              <a:t>2021-10-03</a:t>
             </a:fld>
             <a:endParaRPr lang="ko-KR" altLang="en-US"/>
           </a:p>
@@ -6832,7 +6884,7 @@
           <a:p>
             <a:fld id="{60754DCC-BDC9-4415-8C74-BEF8C7A080EE}" type="datetimeFigureOut">
               <a:rPr lang="ko-KR" altLang="en-US" smtClean="0"/>
-              <a:t>2021-09-29</a:t>
+              <a:t>2021-10-03</a:t>
             </a:fld>
             <a:endParaRPr lang="ko-KR" altLang="en-US"/>
           </a:p>
@@ -7073,7 +7125,7 @@
           <a:p>
             <a:fld id="{60754DCC-BDC9-4415-8C74-BEF8C7A080EE}" type="datetimeFigureOut">
               <a:rPr lang="ko-KR" altLang="en-US" smtClean="0"/>
-              <a:t>2021-09-29</a:t>
+              <a:t>2021-10-03</a:t>
             </a:fld>
             <a:endParaRPr lang="ko-KR" altLang="en-US"/>
           </a:p>
@@ -7768,6 +7820,7 @@
           <a:bodyPr/>
           <a:lstStyle/>
           <a:p>
+            <a:pPr lvl="1"/>
             <a:r>
               <a:rPr lang="ko-KR" altLang="en-US" dirty="0"/>
               <a:t>기존 스마트캠퍼스의 문제점을 뉴 스마트캠퍼스로 대체하게 되면서 실질적으로 문제점이 해결이 됐는지 확인하는 목적</a:t>
@@ -8678,7 +8731,7 @@
             <p:ph idx="1"/>
             <p:extLst>
               <p:ext uri="{D42A27DB-BD31-4B8C-83A1-F6EECF244321}">
-                <p14:modId xmlns:p14="http://schemas.microsoft.com/office/powerpoint/2010/main" val="165298964"/>
+                <p14:modId xmlns:p14="http://schemas.microsoft.com/office/powerpoint/2010/main" val="1832936668"/>
               </p:ext>
             </p:extLst>
           </p:nvPr>
